--- a/presentation/presentation.pptx
+++ b/presentation/presentation.pptx
@@ -294,7 +294,7 @@
           <a:p>
             <a:fld id="{1FA6CDA7-A198-4D57-96B9-C97A59F71B54}" type="datetimeFigureOut">
               <a:rPr lang="pt-BR" smtClean="0"/>
-              <a:t>13/09/2017</a:t>
+              <a:t>15/09/2017</a:t>
             </a:fld>
             <a:endParaRPr lang="pt-BR"/>
           </a:p>
@@ -464,7 +464,7 @@
           <a:p>
             <a:fld id="{1FA6CDA7-A198-4D57-96B9-C97A59F71B54}" type="datetimeFigureOut">
               <a:rPr lang="pt-BR" smtClean="0"/>
-              <a:t>13/09/2017</a:t>
+              <a:t>15/09/2017</a:t>
             </a:fld>
             <a:endParaRPr lang="pt-BR"/>
           </a:p>
@@ -644,7 +644,7 @@
           <a:p>
             <a:fld id="{1FA6CDA7-A198-4D57-96B9-C97A59F71B54}" type="datetimeFigureOut">
               <a:rPr lang="pt-BR" smtClean="0"/>
-              <a:t>13/09/2017</a:t>
+              <a:t>15/09/2017</a:t>
             </a:fld>
             <a:endParaRPr lang="pt-BR"/>
           </a:p>
@@ -814,7 +814,7 @@
           <a:p>
             <a:fld id="{1FA6CDA7-A198-4D57-96B9-C97A59F71B54}" type="datetimeFigureOut">
               <a:rPr lang="pt-BR" smtClean="0"/>
-              <a:t>13/09/2017</a:t>
+              <a:t>15/09/2017</a:t>
             </a:fld>
             <a:endParaRPr lang="pt-BR"/>
           </a:p>
@@ -1060,7 +1060,7 @@
           <a:p>
             <a:fld id="{1FA6CDA7-A198-4D57-96B9-C97A59F71B54}" type="datetimeFigureOut">
               <a:rPr lang="pt-BR" smtClean="0"/>
-              <a:t>13/09/2017</a:t>
+              <a:t>15/09/2017</a:t>
             </a:fld>
             <a:endParaRPr lang="pt-BR"/>
           </a:p>
@@ -1348,7 +1348,7 @@
           <a:p>
             <a:fld id="{1FA6CDA7-A198-4D57-96B9-C97A59F71B54}" type="datetimeFigureOut">
               <a:rPr lang="pt-BR" smtClean="0"/>
-              <a:t>13/09/2017</a:t>
+              <a:t>15/09/2017</a:t>
             </a:fld>
             <a:endParaRPr lang="pt-BR"/>
           </a:p>
@@ -1770,7 +1770,7 @@
           <a:p>
             <a:fld id="{1FA6CDA7-A198-4D57-96B9-C97A59F71B54}" type="datetimeFigureOut">
               <a:rPr lang="pt-BR" smtClean="0"/>
-              <a:t>13/09/2017</a:t>
+              <a:t>15/09/2017</a:t>
             </a:fld>
             <a:endParaRPr lang="pt-BR"/>
           </a:p>
@@ -1888,7 +1888,7 @@
           <a:p>
             <a:fld id="{1FA6CDA7-A198-4D57-96B9-C97A59F71B54}" type="datetimeFigureOut">
               <a:rPr lang="pt-BR" smtClean="0"/>
-              <a:t>13/09/2017</a:t>
+              <a:t>15/09/2017</a:t>
             </a:fld>
             <a:endParaRPr lang="pt-BR"/>
           </a:p>
@@ -1983,7 +1983,7 @@
           <a:p>
             <a:fld id="{1FA6CDA7-A198-4D57-96B9-C97A59F71B54}" type="datetimeFigureOut">
               <a:rPr lang="pt-BR" smtClean="0"/>
-              <a:t>13/09/2017</a:t>
+              <a:t>15/09/2017</a:t>
             </a:fld>
             <a:endParaRPr lang="pt-BR"/>
           </a:p>
@@ -2260,7 +2260,7 @@
           <a:p>
             <a:fld id="{1FA6CDA7-A198-4D57-96B9-C97A59F71B54}" type="datetimeFigureOut">
               <a:rPr lang="pt-BR" smtClean="0"/>
-              <a:t>13/09/2017</a:t>
+              <a:t>15/09/2017</a:t>
             </a:fld>
             <a:endParaRPr lang="pt-BR"/>
           </a:p>
@@ -2513,7 +2513,7 @@
           <a:p>
             <a:fld id="{1FA6CDA7-A198-4D57-96B9-C97A59F71B54}" type="datetimeFigureOut">
               <a:rPr lang="pt-BR" smtClean="0"/>
-              <a:t>13/09/2017</a:t>
+              <a:t>15/09/2017</a:t>
             </a:fld>
             <a:endParaRPr lang="pt-BR"/>
           </a:p>
@@ -2726,7 +2726,7 @@
           <a:p>
             <a:fld id="{1FA6CDA7-A198-4D57-96B9-C97A59F71B54}" type="datetimeFigureOut">
               <a:rPr lang="pt-BR" smtClean="0"/>
-              <a:t>13/09/2017</a:t>
+              <a:t>15/09/2017</a:t>
             </a:fld>
             <a:endParaRPr lang="pt-BR"/>
           </a:p>
@@ -3117,15 +3117,39 @@
           <a:lstStyle/>
           <a:p>
             <a:r>
+              <a:rPr lang="pt-BR" dirty="0" err="1" smtClean="0"/>
+              <a:t>Landscape</a:t>
+            </a:r>
+            <a:r>
               <a:rPr lang="pt-BR" dirty="0" smtClean="0"/>
-              <a:t>Métricas de Paisagem </a:t>
+              <a:t> </a:t>
+            </a:r>
+            <a:r>
+              <a:rPr lang="pt-BR" dirty="0" err="1" smtClean="0"/>
+              <a:t>Metrics</a:t>
+            </a:r>
+            <a:r>
+              <a:rPr lang="pt-BR" dirty="0" smtClean="0"/>
+              <a:t> in </a:t>
+            </a:r>
+            <a:r>
+              <a:rPr lang="pt-BR" dirty="0" err="1" smtClean="0"/>
+              <a:t>the</a:t>
+            </a:r>
+            <a:r>
+              <a:rPr lang="pt-BR" dirty="0" smtClean="0"/>
+              <a:t> </a:t>
             </a:r>
             <a:br>
               <a:rPr lang="pt-BR" dirty="0" smtClean="0"/>
             </a:br>
             <a:r>
               <a:rPr lang="pt-BR" dirty="0" smtClean="0"/>
-              <a:t>no GRASS GIS</a:t>
+              <a:t>GRASS </a:t>
+            </a:r>
+            <a:r>
+              <a:rPr lang="pt-BR" dirty="0" smtClean="0"/>
+              <a:t>GIS</a:t>
             </a:r>
             <a:endParaRPr lang="pt-BR" dirty="0"/>
           </a:p>
